--- a/AdditionalMaterial/Презентация.pptx
+++ b/AdditionalMaterial/Презентация.pptx
@@ -10,6 +10,7 @@
     <p:sldId id="258" r:id="rId4"/>
     <p:sldId id="259" r:id="rId5"/>
     <p:sldId id="260" r:id="rId6"/>
+    <p:sldId id="261" r:id="rId7"/>
   </p:sldIdLst>
   <p:sldSz cx="12192000" cy="6858000"/>
   <p:notesSz cx="6858000" cy="9144000"/>
@@ -108,6 +109,11 @@
       </a:defRPr>
     </a:lvl9pPr>
   </p:defaultTextStyle>
+  <p:extLst>
+    <p:ext uri="{EFAFB233-063F-42B5-8137-9DF3F51BA10A}">
+      <p15:sldGuideLst xmlns:p15="http://schemas.microsoft.com/office/powerpoint/2012/main"/>
+    </p:ext>
+  </p:extLst>
 </p:presentation>
 </file>
 
@@ -242,7 +248,7 @@
           <a:p>
             <a:fld id="{65118EEA-1A3F-4886-A243-1CD2FE4C544B}" type="datetimeFigureOut">
               <a:rPr lang="ru-RU" smtClean="0"/>
-              <a:t>24.06.2019</a:t>
+              <a:t>25.06.2019</a:t>
             </a:fld>
             <a:endParaRPr lang="ru-RU"/>
           </a:p>
@@ -412,7 +418,7 @@
           <a:p>
             <a:fld id="{65118EEA-1A3F-4886-A243-1CD2FE4C544B}" type="datetimeFigureOut">
               <a:rPr lang="ru-RU" smtClean="0"/>
-              <a:t>24.06.2019</a:t>
+              <a:t>25.06.2019</a:t>
             </a:fld>
             <a:endParaRPr lang="ru-RU"/>
           </a:p>
@@ -592,7 +598,7 @@
           <a:p>
             <a:fld id="{65118EEA-1A3F-4886-A243-1CD2FE4C544B}" type="datetimeFigureOut">
               <a:rPr lang="ru-RU" smtClean="0"/>
-              <a:t>24.06.2019</a:t>
+              <a:t>25.06.2019</a:t>
             </a:fld>
             <a:endParaRPr lang="ru-RU"/>
           </a:p>
@@ -762,7 +768,7 @@
           <a:p>
             <a:fld id="{65118EEA-1A3F-4886-A243-1CD2FE4C544B}" type="datetimeFigureOut">
               <a:rPr lang="ru-RU" smtClean="0"/>
-              <a:t>24.06.2019</a:t>
+              <a:t>25.06.2019</a:t>
             </a:fld>
             <a:endParaRPr lang="ru-RU"/>
           </a:p>
@@ -1008,7 +1014,7 @@
           <a:p>
             <a:fld id="{65118EEA-1A3F-4886-A243-1CD2FE4C544B}" type="datetimeFigureOut">
               <a:rPr lang="ru-RU" smtClean="0"/>
-              <a:t>24.06.2019</a:t>
+              <a:t>25.06.2019</a:t>
             </a:fld>
             <a:endParaRPr lang="ru-RU"/>
           </a:p>
@@ -1240,7 +1246,7 @@
           <a:p>
             <a:fld id="{65118EEA-1A3F-4886-A243-1CD2FE4C544B}" type="datetimeFigureOut">
               <a:rPr lang="ru-RU" smtClean="0"/>
-              <a:t>24.06.2019</a:t>
+              <a:t>25.06.2019</a:t>
             </a:fld>
             <a:endParaRPr lang="ru-RU"/>
           </a:p>
@@ -1607,7 +1613,7 @@
           <a:p>
             <a:fld id="{65118EEA-1A3F-4886-A243-1CD2FE4C544B}" type="datetimeFigureOut">
               <a:rPr lang="ru-RU" smtClean="0"/>
-              <a:t>24.06.2019</a:t>
+              <a:t>25.06.2019</a:t>
             </a:fld>
             <a:endParaRPr lang="ru-RU"/>
           </a:p>
@@ -1725,7 +1731,7 @@
           <a:p>
             <a:fld id="{65118EEA-1A3F-4886-A243-1CD2FE4C544B}" type="datetimeFigureOut">
               <a:rPr lang="ru-RU" smtClean="0"/>
-              <a:t>24.06.2019</a:t>
+              <a:t>25.06.2019</a:t>
             </a:fld>
             <a:endParaRPr lang="ru-RU"/>
           </a:p>
@@ -1820,7 +1826,7 @@
           <a:p>
             <a:fld id="{65118EEA-1A3F-4886-A243-1CD2FE4C544B}" type="datetimeFigureOut">
               <a:rPr lang="ru-RU" smtClean="0"/>
-              <a:t>24.06.2019</a:t>
+              <a:t>25.06.2019</a:t>
             </a:fld>
             <a:endParaRPr lang="ru-RU"/>
           </a:p>
@@ -2097,7 +2103,7 @@
           <a:p>
             <a:fld id="{65118EEA-1A3F-4886-A243-1CD2FE4C544B}" type="datetimeFigureOut">
               <a:rPr lang="ru-RU" smtClean="0"/>
-              <a:t>24.06.2019</a:t>
+              <a:t>25.06.2019</a:t>
             </a:fld>
             <a:endParaRPr lang="ru-RU"/>
           </a:p>
@@ -2350,7 +2356,7 @@
           <a:p>
             <a:fld id="{65118EEA-1A3F-4886-A243-1CD2FE4C544B}" type="datetimeFigureOut">
               <a:rPr lang="ru-RU" smtClean="0"/>
-              <a:t>24.06.2019</a:t>
+              <a:t>25.06.2019</a:t>
             </a:fld>
             <a:endParaRPr lang="ru-RU"/>
           </a:p>
@@ -2563,7 +2569,7 @@
           <a:p>
             <a:fld id="{65118EEA-1A3F-4886-A243-1CD2FE4C544B}" type="datetimeFigureOut">
               <a:rPr lang="ru-RU" smtClean="0"/>
-              <a:t>24.06.2019</a:t>
+              <a:t>25.06.2019</a:t>
             </a:fld>
             <a:endParaRPr lang="ru-RU"/>
           </a:p>
@@ -3862,6 +3868,105 @@
 </p:sld>
 </file>
 
+<file path=ppt/slides/slide6.xml><?xml version="1.0" encoding="utf-8"?>
+<p:sld xmlns:a="http://schemas.openxmlformats.org/drawingml/2006/main" xmlns:r="http://schemas.openxmlformats.org/officeDocument/2006/relationships" xmlns:p="http://schemas.openxmlformats.org/presentationml/2006/main">
+  <p:cSld>
+    <p:spTree>
+      <p:nvGrpSpPr>
+        <p:cNvPr id="1" name=""/>
+        <p:cNvGrpSpPr/>
+        <p:nvPr/>
+      </p:nvGrpSpPr>
+      <p:grpSpPr>
+        <a:xfrm>
+          <a:off x="0" y="0"/>
+          <a:ext cx="0" cy="0"/>
+          <a:chOff x="0" y="0"/>
+          <a:chExt cx="0" cy="0"/>
+        </a:xfrm>
+      </p:grpSpPr>
+      <p:sp>
+        <p:nvSpPr>
+          <p:cNvPr id="4" name="TextBox 3"/>
+          <p:cNvSpPr txBox="1"/>
+          <p:nvPr/>
+        </p:nvSpPr>
+        <p:spPr>
+          <a:xfrm>
+            <a:off x="800100" y="1336431"/>
+            <a:ext cx="11183815" cy="4678204"/>
+          </a:xfrm>
+          <a:prstGeom prst="rect">
+            <a:avLst/>
+          </a:prstGeom>
+          <a:noFill/>
+        </p:spPr>
+        <p:txBody>
+          <a:bodyPr wrap="square" rtlCol="0">
+            <a:spAutoFit/>
+          </a:bodyPr>
+          <a:lstStyle/>
+          <a:p>
+            <a:r>
+              <a:rPr lang="ru-RU" sz="5400" b="1" dirty="0">
+                <a:solidFill>
+                  <a:srgbClr val="FF0000"/>
+                </a:solidFill>
+              </a:rPr>
+              <a:t>Как использовать</a:t>
+            </a:r>
+            <a:r>
+              <a:rPr lang="ru-RU" sz="5400" b="1" dirty="0" smtClean="0">
+                <a:solidFill>
+                  <a:srgbClr val="FF0000"/>
+                </a:solidFill>
+              </a:rPr>
+              <a:t>?</a:t>
+            </a:r>
+          </a:p>
+          <a:p>
+            <a:endParaRPr lang="ru-RU" sz="5400" b="1" dirty="0">
+              <a:solidFill>
+                <a:srgbClr val="FF0000"/>
+              </a:solidFill>
+            </a:endParaRPr>
+          </a:p>
+          <a:p>
+            <a:r>
+              <a:rPr lang="ru-RU" sz="5400" dirty="0"/>
+              <a:t>Ввести число в поле.</a:t>
+            </a:r>
+          </a:p>
+          <a:p>
+            <a:r>
+              <a:rPr lang="ru-RU" sz="5400" dirty="0"/>
+              <a:t>Выбрать любой из трёх методов.</a:t>
+            </a:r>
+          </a:p>
+          <a:p>
+            <a:r>
+              <a:rPr lang="ru-RU" sz="5400" dirty="0"/>
+              <a:t>Нажать клавишу «ОК».</a:t>
+            </a:r>
+          </a:p>
+          <a:p>
+            <a:endParaRPr lang="ru-RU" sz="2800" dirty="0"/>
+          </a:p>
+        </p:txBody>
+      </p:sp>
+    </p:spTree>
+    <p:extLst>
+      <p:ext uri="{BB962C8B-B14F-4D97-AF65-F5344CB8AC3E}">
+        <p14:creationId xmlns:p14="http://schemas.microsoft.com/office/powerpoint/2010/main" val="2401614712"/>
+      </p:ext>
+    </p:extLst>
+  </p:cSld>
+  <p:clrMapOvr>
+    <a:masterClrMapping/>
+  </p:clrMapOvr>
+</p:sld>
+</file>
+
 <file path=ppt/theme/theme1.xml><?xml version="1.0" encoding="utf-8"?>
 <a:theme xmlns:a="http://schemas.openxmlformats.org/drawingml/2006/main" name="Тема Office">
   <a:themeElements>

--- a/AdditionalMaterial/Презентация.pptx
+++ b/AdditionalMaterial/Презентация.pptx
@@ -3087,12 +3087,12 @@
               <a:t> предназначена для проверки </a:t>
             </a:r>
             <a:r>
-              <a:rPr lang="ru-RU" dirty="0" err="1" smtClean="0"/>
-              <a:t>числел</a:t>
-            </a:r>
-            <a:r>
               <a:rPr lang="ru-RU" dirty="0" smtClean="0"/>
-              <a:t> на простоту.</a:t>
+              <a:t>чисел </a:t>
+            </a:r>
+            <a:r>
+              <a:rPr lang="ru-RU" dirty="0" smtClean="0"/>
+              <a:t>на простоту.</a:t>
             </a:r>
             <a:endParaRPr lang="ru-RU" dirty="0"/>
           </a:p>
